--- a/Vehicle Routing Problem - FinalVersion.pptx
+++ b/Vehicle Routing Problem - FinalVersion.pptx
@@ -4613,7 +4613,7 @@
           <p:cNvPr id="5" name="Content Placeholder 4">
             <a:extLst>
               <a:ext uri="{FF2B5EF4-FFF2-40B4-BE49-F238E27FC236}">
-                <a16:creationId xmlns:a16="http://schemas.microsoft.com/office/drawing/2014/main" xmlns="" id="{E21A424E-30E2-4479-A2CF-C79F8D10D6C7}"/>
+                <a16:creationId xmlns="" xmlns:a16="http://schemas.microsoft.com/office/drawing/2014/main" id="{E21A424E-30E2-4479-A2CF-C79F8D10D6C7}"/>
               </a:ext>
             </a:extLst>
           </p:cNvPr>
@@ -4680,7 +4680,7 @@
           <p:cNvPr id="6" name="Content Placeholder 2">
             <a:extLst>
               <a:ext uri="{FF2B5EF4-FFF2-40B4-BE49-F238E27FC236}">
-                <a16:creationId xmlns:a16="http://schemas.microsoft.com/office/drawing/2014/main" xmlns="" id="{23F11329-1477-4077-9B53-140AAFA0EA56}"/>
+                <a16:creationId xmlns="" xmlns:a16="http://schemas.microsoft.com/office/drawing/2014/main" id="{23F11329-1477-4077-9B53-140AAFA0EA56}"/>
               </a:ext>
             </a:extLst>
           </p:cNvPr>
@@ -5716,7 +5716,7 @@
           <p:cNvPr id="5" name="Content Placeholder 4">
             <a:extLst>
               <a:ext uri="{FF2B5EF4-FFF2-40B4-BE49-F238E27FC236}">
-                <a16:creationId xmlns:a16="http://schemas.microsoft.com/office/drawing/2014/main" xmlns="" id="{E21A424E-30E2-4479-A2CF-C79F8D10D6C7}"/>
+                <a16:creationId xmlns="" xmlns:a16="http://schemas.microsoft.com/office/drawing/2014/main" id="{E21A424E-30E2-4479-A2CF-C79F8D10D6C7}"/>
               </a:ext>
             </a:extLst>
           </p:cNvPr>
@@ -6697,30 +6697,21 @@
                             </p:childTnLst>
                           </p:cTn>
                         </p:par>
-                      </p:childTnLst>
-                    </p:cTn>
-                  </p:par>
-                  <p:par>
-                    <p:cTn id="38" fill="hold">
-                      <p:stCondLst>
-                        <p:cond delay="indefinite"/>
-                      </p:stCondLst>
-                      <p:childTnLst>
                         <p:par>
-                          <p:cTn id="39" fill="hold">
+                          <p:cTn id="38" fill="hold">
                             <p:stCondLst>
-                              <p:cond delay="0"/>
+                              <p:cond delay="500"/>
                             </p:stCondLst>
                             <p:childTnLst>
                               <p:par>
-                                <p:cTn id="40" presetID="10" presetClass="entr" presetSubtype="0" fill="hold" grpId="0" nodeType="clickEffect">
+                                <p:cTn id="39" presetID="10" presetClass="entr" presetSubtype="0" fill="hold" grpId="0" nodeType="afterEffect">
                                   <p:stCondLst>
                                     <p:cond delay="0"/>
                                   </p:stCondLst>
                                   <p:childTnLst>
                                     <p:set>
                                       <p:cBhvr>
-                                        <p:cTn id="41" dur="1" fill="hold">
+                                        <p:cTn id="40" dur="1" fill="hold">
                                           <p:stCondLst>
                                             <p:cond delay="0"/>
                                           </p:stCondLst>
@@ -6738,7 +6729,7 @@
                                     </p:set>
                                     <p:animEffect transition="in" filter="fade">
                                       <p:cBhvr>
-                                        <p:cTn id="42" dur="500"/>
+                                        <p:cTn id="41" dur="500"/>
                                         <p:tgtEl>
                                           <p:spTgt spid="14"/>
                                         </p:tgtEl>
@@ -6747,8 +6738,17 @@
                                   </p:childTnLst>
                                 </p:cTn>
                               </p:par>
+                            </p:childTnLst>
+                          </p:cTn>
+                        </p:par>
+                        <p:par>
+                          <p:cTn id="42" fill="hold">
+                            <p:stCondLst>
+                              <p:cond delay="1000"/>
+                            </p:stCondLst>
+                            <p:childTnLst>
                               <p:par>
-                                <p:cTn id="43" presetID="10" presetClass="entr" presetSubtype="0" fill="hold" nodeType="withEffect">
+                                <p:cTn id="43" presetID="10" presetClass="entr" presetSubtype="0" fill="hold" nodeType="afterEffect">
                                   <p:stCondLst>
                                     <p:cond delay="0"/>
                                   </p:stCondLst>
@@ -6782,15 +6782,24 @@
                                   </p:childTnLst>
                                 </p:cTn>
                               </p:par>
+                            </p:childTnLst>
+                          </p:cTn>
+                        </p:par>
+                        <p:par>
+                          <p:cTn id="46" fill="hold">
+                            <p:stCondLst>
+                              <p:cond delay="1500"/>
+                            </p:stCondLst>
+                            <p:childTnLst>
                               <p:par>
-                                <p:cTn id="46" presetID="10" presetClass="entr" presetSubtype="0" fill="hold" nodeType="withEffect">
+                                <p:cTn id="47" presetID="10" presetClass="entr" presetSubtype="0" fill="hold" nodeType="afterEffect">
                                   <p:stCondLst>
                                     <p:cond delay="0"/>
                                   </p:stCondLst>
                                   <p:childTnLst>
                                     <p:set>
                                       <p:cBhvr>
-                                        <p:cTn id="47" dur="1" fill="hold">
+                                        <p:cTn id="48" dur="1" fill="hold">
                                           <p:stCondLst>
                                             <p:cond delay="0"/>
                                           </p:stCondLst>
@@ -6808,7 +6817,7 @@
                                     </p:set>
                                     <p:animEffect transition="in" filter="fade">
                                       <p:cBhvr>
-                                        <p:cTn id="48" dur="500"/>
+                                        <p:cTn id="49" dur="500"/>
                                         <p:tgtEl>
                                           <p:spTgt spid="21"/>
                                         </p:tgtEl>
@@ -6820,23 +6829,14 @@
                             </p:childTnLst>
                           </p:cTn>
                         </p:par>
-                      </p:childTnLst>
-                    </p:cTn>
-                  </p:par>
-                  <p:par>
-                    <p:cTn id="49" fill="hold">
-                      <p:stCondLst>
-                        <p:cond delay="indefinite"/>
-                      </p:stCondLst>
-                      <p:childTnLst>
                         <p:par>
                           <p:cTn id="50" fill="hold">
                             <p:stCondLst>
-                              <p:cond delay="0"/>
+                              <p:cond delay="2000"/>
                             </p:stCondLst>
                             <p:childTnLst>
                               <p:par>
-                                <p:cTn id="51" presetID="10" presetClass="entr" presetSubtype="0" fill="hold" grpId="0" nodeType="clickEffect">
+                                <p:cTn id="51" presetID="10" presetClass="entr" presetSubtype="0" fill="hold" grpId="0" nodeType="afterEffect">
                                   <p:stCondLst>
                                     <p:cond delay="0"/>
                                   </p:stCondLst>
@@ -6870,15 +6870,24 @@
                                   </p:childTnLst>
                                 </p:cTn>
                               </p:par>
+                            </p:childTnLst>
+                          </p:cTn>
+                        </p:par>
+                        <p:par>
+                          <p:cTn id="54" fill="hold">
+                            <p:stCondLst>
+                              <p:cond delay="2500"/>
+                            </p:stCondLst>
+                            <p:childTnLst>
                               <p:par>
-                                <p:cTn id="54" presetID="10" presetClass="entr" presetSubtype="0" fill="hold" nodeType="withEffect">
+                                <p:cTn id="55" presetID="10" presetClass="entr" presetSubtype="0" fill="hold" nodeType="afterEffect">
                                   <p:stCondLst>
                                     <p:cond delay="0"/>
                                   </p:stCondLst>
                                   <p:childTnLst>
                                     <p:set>
                                       <p:cBhvr>
-                                        <p:cTn id="55" dur="1" fill="hold">
+                                        <p:cTn id="56" dur="1" fill="hold">
                                           <p:stCondLst>
                                             <p:cond delay="0"/>
                                           </p:stCondLst>
@@ -6896,7 +6905,7 @@
                                     </p:set>
                                     <p:animEffect transition="in" filter="fade">
                                       <p:cBhvr>
-                                        <p:cTn id="56" dur="500"/>
+                                        <p:cTn id="57" dur="500"/>
                                         <p:tgtEl>
                                           <p:spTgt spid="17"/>
                                         </p:tgtEl>
@@ -7584,7 +7593,6 @@
               <a:rPr lang="en-US" dirty="0"/>
               <a:t>- https://developers.google.com/optimization/</a:t>
             </a:r>
-            <a:endParaRPr lang="en-US" dirty="0"/>
           </a:p>
           <a:p>
             <a:pPr lvl="0">
@@ -7833,78 +7841,6 @@
                       </p:childTnLst>
                     </p:cTn>
                   </p:par>
-                  <p:par>
-                    <p:cTn id="11" fill="hold">
-                      <p:stCondLst>
-                        <p:cond delay="indefinite"/>
-                      </p:stCondLst>
-                      <p:childTnLst>
-                        <p:par>
-                          <p:cTn id="12" fill="hold">
-                            <p:stCondLst>
-                              <p:cond delay="0"/>
-                            </p:stCondLst>
-                            <p:childTnLst>
-                              <p:par>
-                                <p:cTn id="13" presetID="1" presetClass="exit" presetSubtype="0" fill="hold" nodeType="clickEffect">
-                                  <p:stCondLst>
-                                    <p:cond delay="0"/>
-                                  </p:stCondLst>
-                                  <p:childTnLst>
-                                    <p:set>
-                                      <p:cBhvr>
-                                        <p:cTn id="14" dur="1" fill="hold">
-                                          <p:stCondLst>
-                                            <p:cond delay="0"/>
-                                          </p:stCondLst>
-                                        </p:cTn>
-                                        <p:tgtEl>
-                                          <p:spTgt spid="4"/>
-                                        </p:tgtEl>
-                                        <p:attrNameLst>
-                                          <p:attrName>style.visibility</p:attrName>
-                                        </p:attrNameLst>
-                                      </p:cBhvr>
-                                      <p:to>
-                                        <p:strVal val="hidden"/>
-                                      </p:to>
-                                    </p:set>
-                                  </p:childTnLst>
-                                </p:cTn>
-                              </p:par>
-                              <p:par>
-                                <p:cTn id="15" presetID="1" presetClass="exit" presetSubtype="0" fill="hold" grpId="1" nodeType="withEffect">
-                                  <p:stCondLst>
-                                    <p:cond delay="0"/>
-                                  </p:stCondLst>
-                                  <p:childTnLst>
-                                    <p:set>
-                                      <p:cBhvr>
-                                        <p:cTn id="16" dur="1" fill="hold">
-                                          <p:stCondLst>
-                                            <p:cond delay="0"/>
-                                          </p:stCondLst>
-                                        </p:cTn>
-                                        <p:tgtEl>
-                                          <p:spTgt spid="5"/>
-                                        </p:tgtEl>
-                                        <p:attrNameLst>
-                                          <p:attrName>style.visibility</p:attrName>
-                                        </p:attrNameLst>
-                                      </p:cBhvr>
-                                      <p:to>
-                                        <p:strVal val="hidden"/>
-                                      </p:to>
-                                    </p:set>
-                                  </p:childTnLst>
-                                </p:cTn>
-                              </p:par>
-                            </p:childTnLst>
-                          </p:cTn>
-                        </p:par>
-                      </p:childTnLst>
-                    </p:cTn>
-                  </p:par>
                 </p:childTnLst>
               </p:cTn>
               <p:prevCondLst>
@@ -7928,7 +7864,6 @@
     </p:tnLst>
     <p:bldLst>
       <p:bldP spid="5" grpId="0"/>
-      <p:bldP spid="5" grpId="1"/>
     </p:bldLst>
   </p:timing>
 </p:sld>
@@ -9329,7 +9264,7 @@
           <p:cNvPr id="5" name="Picture 4">
             <a:extLst>
               <a:ext uri="{FF2B5EF4-FFF2-40B4-BE49-F238E27FC236}">
-                <a16:creationId xmlns:a16="http://schemas.microsoft.com/office/drawing/2014/main" xmlns="" id="{1BC27A81-EB89-47D7-BE5D-C21703EDD76C}"/>
+                <a16:creationId xmlns="" xmlns:a16="http://schemas.microsoft.com/office/drawing/2014/main" id="{1BC27A81-EB89-47D7-BE5D-C21703EDD76C}"/>
               </a:ext>
             </a:extLst>
           </p:cNvPr>

--- a/Vehicle Routing Problem - FinalVersion.pptx
+++ b/Vehicle Routing Problem - FinalVersion.pptx
@@ -5164,9 +5164,8 @@
             <a:r>
               <a:rPr lang="en-US" sz="2000" b="1" dirty="0">
                 <a:solidFill>
-                  <a:schemeClr val="tx1">
+                  <a:schemeClr val="bg1">
                     <a:lumMod val="75000"/>
-                    <a:lumOff val="25000"/>
                   </a:schemeClr>
                 </a:solidFill>
               </a:rPr>
@@ -5193,9 +5192,8 @@
             <a:r>
               <a:rPr lang="en-US" sz="2000" dirty="0">
                 <a:solidFill>
-                  <a:schemeClr val="tx1">
+                  <a:schemeClr val="bg1">
                     <a:lumMod val="75000"/>
-                    <a:lumOff val="25000"/>
                   </a:schemeClr>
                 </a:solidFill>
               </a:rPr>
@@ -5220,9 +5218,8 @@
             <a:r>
               <a:rPr lang="en-US" sz="2000" b="1" dirty="0">
                 <a:solidFill>
-                  <a:schemeClr val="tx1">
+                  <a:schemeClr val="bg1">
                     <a:lumMod val="75000"/>
-                    <a:lumOff val="25000"/>
                   </a:schemeClr>
                 </a:solidFill>
               </a:rPr>
@@ -5249,9 +5246,8 @@
             <a:r>
               <a:rPr lang="en-US" sz="2000" dirty="0">
                 <a:solidFill>
-                  <a:schemeClr val="tx1">
+                  <a:schemeClr val="bg1">
                     <a:lumMod val="75000"/>
-                    <a:lumOff val="25000"/>
                   </a:schemeClr>
                 </a:solidFill>
               </a:rPr>
@@ -5278,9 +5274,8 @@
             <a:r>
               <a:rPr lang="en-US" sz="2000" dirty="0">
                 <a:solidFill>
-                  <a:schemeClr val="tx1">
+                  <a:schemeClr val="bg1">
                     <a:lumMod val="75000"/>
-                    <a:lumOff val="25000"/>
                   </a:schemeClr>
                 </a:solidFill>
               </a:rPr>
@@ -5334,9 +5329,8 @@
             <a:r>
               <a:rPr lang="en-US" sz="2000" dirty="0">
                 <a:solidFill>
-                  <a:schemeClr val="tx1">
+                  <a:schemeClr val="bg1">
                     <a:lumMod val="75000"/>
-                    <a:lumOff val="25000"/>
                   </a:schemeClr>
                 </a:solidFill>
               </a:rPr>
@@ -5345,9 +5339,8 @@
             <a:r>
               <a:rPr lang="en-US" sz="2000" dirty="0" smtClean="0">
                 <a:solidFill>
-                  <a:schemeClr val="tx1">
+                  <a:schemeClr val="bg1">
                     <a:lumMod val="75000"/>
-                    <a:lumOff val="25000"/>
                   </a:schemeClr>
                 </a:solidFill>
               </a:rPr>
@@ -5858,7 +5851,7 @@
         </p:blipFill>
         <p:spPr>
           <a:xfrm>
-            <a:off x="0" y="360592"/>
+            <a:off x="0" y="333698"/>
             <a:ext cx="3979279" cy="2862667"/>
           </a:xfrm>
           <a:prstGeom prst="rect">
@@ -7030,7 +7023,83 @@
   <p:timing>
     <p:tnLst>
       <p:par>
-        <p:cTn id="1" dur="indefinite" restart="never" nodeType="tmRoot"/>
+        <p:cTn id="1" dur="indefinite" restart="never" nodeType="tmRoot">
+          <p:childTnLst>
+            <p:seq concurrent="1" nextAc="seek">
+              <p:cTn id="2" dur="indefinite" nodeType="mainSeq">
+                <p:childTnLst>
+                  <p:par>
+                    <p:cTn id="3" fill="hold">
+                      <p:stCondLst>
+                        <p:cond delay="indefinite"/>
+                      </p:stCondLst>
+                      <p:childTnLst>
+                        <p:par>
+                          <p:cTn id="4" fill="hold">
+                            <p:stCondLst>
+                              <p:cond delay="0"/>
+                            </p:stCondLst>
+                            <p:childTnLst>
+                              <p:par>
+                                <p:cTn id="5" presetID="10" presetClass="entr" presetSubtype="0" fill="hold" nodeType="clickEffect">
+                                  <p:stCondLst>
+                                    <p:cond delay="0"/>
+                                  </p:stCondLst>
+                                  <p:childTnLst>
+                                    <p:set>
+                                      <p:cBhvr>
+                                        <p:cTn id="6" dur="1" fill="hold">
+                                          <p:stCondLst>
+                                            <p:cond delay="0"/>
+                                          </p:stCondLst>
+                                        </p:cTn>
+                                        <p:tgtEl>
+                                          <p:spTgt spid="7"/>
+                                        </p:tgtEl>
+                                        <p:attrNameLst>
+                                          <p:attrName>style.visibility</p:attrName>
+                                        </p:attrNameLst>
+                                      </p:cBhvr>
+                                      <p:to>
+                                        <p:strVal val="visible"/>
+                                      </p:to>
+                                    </p:set>
+                                    <p:animEffect transition="in" filter="fade">
+                                      <p:cBhvr>
+                                        <p:cTn id="7" dur="500"/>
+                                        <p:tgtEl>
+                                          <p:spTgt spid="7"/>
+                                        </p:tgtEl>
+                                      </p:cBhvr>
+                                    </p:animEffect>
+                                  </p:childTnLst>
+                                </p:cTn>
+                              </p:par>
+                            </p:childTnLst>
+                          </p:cTn>
+                        </p:par>
+                      </p:childTnLst>
+                    </p:cTn>
+                  </p:par>
+                </p:childTnLst>
+              </p:cTn>
+              <p:prevCondLst>
+                <p:cond evt="onPrev" delay="0">
+                  <p:tgtEl>
+                    <p:sldTgt/>
+                  </p:tgtEl>
+                </p:cond>
+              </p:prevCondLst>
+              <p:nextCondLst>
+                <p:cond evt="onNext" delay="0">
+                  <p:tgtEl>
+                    <p:sldTgt/>
+                  </p:tgtEl>
+                </p:cond>
+              </p:nextCondLst>
+            </p:seq>
+          </p:childTnLst>
+        </p:cTn>
       </p:par>
     </p:tnLst>
   </p:timing>
@@ -8280,8 +8349,38 @@
                   </a:schemeClr>
                 </a:solidFill>
               </a:rPr>
-              <a:t>Improved savings: Clark and Wright</a:t>
-            </a:r>
+              <a:t>Improved savings: </a:t>
+            </a:r>
+            <a:r>
+              <a:rPr lang="en-US" sz="2000" dirty="0">
+                <a:solidFill>
+                  <a:schemeClr val="tx1">
+                    <a:lumMod val="75000"/>
+                    <a:lumOff val="25000"/>
+                  </a:schemeClr>
+                </a:solidFill>
+              </a:rPr>
+              <a:t>built on the idea of Clark and </a:t>
+            </a:r>
+            <a:r>
+              <a:rPr lang="en-US" sz="2000" dirty="0" smtClean="0">
+                <a:solidFill>
+                  <a:schemeClr val="tx1">
+                    <a:lumMod val="75000"/>
+                    <a:lumOff val="25000"/>
+                  </a:schemeClr>
+                </a:solidFill>
+              </a:rPr>
+              <a:t>Wright</a:t>
+            </a:r>
+            <a:endParaRPr lang="en-US" sz="2000" dirty="0">
+              <a:solidFill>
+                <a:schemeClr val="tx1">
+                  <a:lumMod val="75000"/>
+                  <a:lumOff val="25000"/>
+                </a:schemeClr>
+              </a:solidFill>
+            </a:endParaRPr>
           </a:p>
           <a:p>
             <a:pPr marL="201168" lvl="1">
@@ -8542,7 +8641,9 @@
           </a:xfrm>
         </p:spPr>
         <p:txBody>
-          <a:bodyPr/>
+          <a:bodyPr>
+            <a:normAutofit/>
+          </a:bodyPr>
           <a:lstStyle/>
           <a:p>
             <a:pPr marL="457200" indent="-457200">
@@ -8583,7 +8684,11 @@
             </a:pPr>
             <a:r>
               <a:rPr lang="en-US" dirty="0"/>
-              <a:t>Start with the first savings pair</a:t>
+              <a:t>Start with the first savings </a:t>
+            </a:r>
+            <a:r>
+              <a:rPr lang="en-US" dirty="0" smtClean="0"/>
+              <a:t>pair</a:t>
             </a:r>
           </a:p>
           <a:p>
@@ -8593,6 +8698,29 @@
               <a:buAutoNum type="arabicPeriod"/>
             </a:pPr>
             <a:r>
+              <a:rPr lang="en-US" dirty="0" smtClean="0"/>
+              <a:t>Add to new route</a:t>
+            </a:r>
+          </a:p>
+          <a:p>
+            <a:pPr marL="365760" indent="-457200">
+              <a:buClrTx/>
+              <a:buFont typeface="+mj-lt"/>
+              <a:buAutoNum type="arabicPeriod"/>
+            </a:pPr>
+            <a:r>
+              <a:rPr lang="en-US" dirty="0" smtClean="0"/>
+              <a:t>Find a pair with one node connected</a:t>
+            </a:r>
+            <a:endParaRPr lang="en-US" dirty="0"/>
+          </a:p>
+          <a:p>
+            <a:pPr marL="365760" indent="-457200">
+              <a:buClrTx/>
+              <a:buFont typeface="+mj-lt"/>
+              <a:buAutoNum type="arabicPeriod"/>
+            </a:pPr>
+            <a:r>
               <a:rPr lang="en-US" dirty="0"/>
               <a:t>Iterate and fit to trucks as per capacity</a:t>
             </a:r>
@@ -8601,15 +8729,13 @@
             <a:pPr marL="0">
               <a:buNone/>
             </a:pPr>
-            <a:endParaRPr lang="en-US" dirty="0"/>
-          </a:p>
-          <a:p>
-            <a:pPr marL="0">
-              <a:buNone/>
-            </a:pPr>
+            <a:r>
+              <a:rPr lang="en-US" sz="1600" dirty="0" smtClean="0"/>
+              <a:t>Source </a:t>
+            </a:r>
             <a:r>
               <a:rPr lang="en-US" sz="1600" dirty="0"/>
-              <a:t>Source : </a:t>
+              <a:t>: </a:t>
             </a:r>
             <a:r>
               <a:rPr lang="en-US" sz="1600" dirty="0">
@@ -8621,6 +8747,49 @@
               <a:rPr lang="en-US" sz="1600" dirty="0"/>
               <a:t> </a:t>
             </a:r>
+            <a:endParaRPr lang="en-US" sz="1600" dirty="0" smtClean="0"/>
+          </a:p>
+          <a:p>
+            <a:pPr marL="0">
+              <a:buNone/>
+            </a:pPr>
+            <a:r>
+              <a:rPr lang="en-US" sz="1300" dirty="0" smtClean="0"/>
+              <a:t>	Wang </a:t>
+            </a:r>
+            <a:r>
+              <a:rPr lang="en-US" sz="1300" dirty="0"/>
+              <a:t>Xing, Zhao </a:t>
+            </a:r>
+            <a:r>
+              <a:rPr lang="en-US" sz="1300" dirty="0" err="1" smtClean="0"/>
+              <a:t>Shu-Zhi</a:t>
+            </a:r>
+            <a:r>
+              <a:rPr lang="en-US" sz="1300" dirty="0" smtClean="0"/>
+              <a:t> ; Wang </a:t>
+            </a:r>
+            <a:r>
+              <a:rPr lang="en-US" sz="1300" dirty="0"/>
+              <a:t>Xing, Chu </a:t>
+            </a:r>
+            <a:r>
+              <a:rPr lang="en-US" sz="1300" dirty="0" err="1" smtClean="0"/>
+              <a:t>Hao</a:t>
+            </a:r>
+            <a:r>
+              <a:rPr lang="en-US" sz="1300" dirty="0" smtClean="0"/>
+              <a:t> ; Li </a:t>
+            </a:r>
+            <a:r>
+              <a:rPr lang="en-US" sz="1300" dirty="0"/>
+              <a:t>Yan</a:t>
+            </a:r>
+          </a:p>
+          <a:p>
+            <a:pPr marL="0">
+              <a:buNone/>
+            </a:pPr>
             <a:endParaRPr lang="en-US" dirty="0"/>
           </a:p>
         </p:txBody>
@@ -8906,9 +9075,8 @@
             <a:r>
               <a:rPr lang="en-US" sz="2000" b="1" dirty="0">
                 <a:solidFill>
-                  <a:schemeClr val="tx1">
+                  <a:schemeClr val="bg1">
                     <a:lumMod val="75000"/>
-                    <a:lumOff val="25000"/>
                   </a:schemeClr>
                 </a:solidFill>
               </a:rPr>
@@ -8935,14 +9103,30 @@
             <a:r>
               <a:rPr lang="en-US" sz="2000" dirty="0">
                 <a:solidFill>
-                  <a:schemeClr val="tx1">
+                  <a:schemeClr val="bg1">
                     <a:lumMod val="75000"/>
-                    <a:lumOff val="25000"/>
                   </a:schemeClr>
                 </a:solidFill>
               </a:rPr>
-              <a:t>Improved savings: Clark and Wright</a:t>
-            </a:r>
+              <a:t>Improved savings: </a:t>
+            </a:r>
+            <a:r>
+              <a:rPr lang="en-US" sz="2000" dirty="0">
+                <a:solidFill>
+                  <a:schemeClr val="bg1">
+                    <a:lumMod val="75000"/>
+                  </a:schemeClr>
+                </a:solidFill>
+              </a:rPr>
+              <a:t>built on the idea of Clark and Wright</a:t>
+            </a:r>
+            <a:endParaRPr lang="en-US" sz="2000" dirty="0">
+              <a:solidFill>
+                <a:schemeClr val="bg1">
+                  <a:lumMod val="75000"/>
+                </a:schemeClr>
+              </a:solidFill>
+            </a:endParaRPr>
           </a:p>
           <a:p>
             <a:pPr marL="201168" lvl="1">
@@ -9393,9 +9577,8 @@
             <a:r>
               <a:rPr lang="en-US" sz="2000" b="1" dirty="0">
                 <a:solidFill>
-                  <a:schemeClr val="tx1">
+                  <a:schemeClr val="bg1">
                     <a:lumMod val="75000"/>
-                    <a:lumOff val="25000"/>
                   </a:schemeClr>
                 </a:solidFill>
               </a:rPr>
@@ -9422,14 +9605,30 @@
             <a:r>
               <a:rPr lang="en-US" sz="2000" dirty="0">
                 <a:solidFill>
-                  <a:schemeClr val="tx1">
+                  <a:schemeClr val="bg1">
                     <a:lumMod val="75000"/>
-                    <a:lumOff val="25000"/>
                   </a:schemeClr>
                 </a:solidFill>
               </a:rPr>
-              <a:t>Improved savings: Clark and Wright</a:t>
-            </a:r>
+              <a:t>Improved savings: </a:t>
+            </a:r>
+            <a:r>
+              <a:rPr lang="en-US" sz="2000" dirty="0">
+                <a:solidFill>
+                  <a:schemeClr val="bg1">
+                    <a:lumMod val="75000"/>
+                  </a:schemeClr>
+                </a:solidFill>
+              </a:rPr>
+              <a:t>built on the idea of Clark and Wright</a:t>
+            </a:r>
+            <a:endParaRPr lang="en-US" sz="2000" dirty="0">
+              <a:solidFill>
+                <a:schemeClr val="bg1">
+                  <a:lumMod val="75000"/>
+                </a:schemeClr>
+              </a:solidFill>
+            </a:endParaRPr>
           </a:p>
           <a:p>
             <a:pPr marL="201168" lvl="1">
@@ -9449,9 +9648,8 @@
             <a:r>
               <a:rPr lang="en-US" sz="2000" b="1" dirty="0">
                 <a:solidFill>
-                  <a:schemeClr val="tx1">
+                  <a:schemeClr val="bg1">
                     <a:lumMod val="75000"/>
-                    <a:lumOff val="25000"/>
                   </a:schemeClr>
                 </a:solidFill>
               </a:rPr>
@@ -9478,9 +9676,8 @@
             <a:r>
               <a:rPr lang="en-US" sz="2000" dirty="0">
                 <a:solidFill>
-                  <a:schemeClr val="tx1">
+                  <a:schemeClr val="bg1">
                     <a:lumMod val="75000"/>
-                    <a:lumOff val="25000"/>
                   </a:schemeClr>
                 </a:solidFill>
               </a:rPr>
@@ -9507,9 +9704,8 @@
             <a:r>
               <a:rPr lang="en-US" sz="2000" dirty="0">
                 <a:solidFill>
-                  <a:schemeClr val="tx1">
+                  <a:schemeClr val="bg1">
                     <a:lumMod val="75000"/>
-                    <a:lumOff val="25000"/>
                   </a:schemeClr>
                 </a:solidFill>
               </a:rPr>
